--- a/manuscripts/main/figures/newFig/Figure1/Figure1.pptx
+++ b/manuscripts/main/figures/newFig/Figure1/Figure1.pptx
@@ -104,13 +104,18 @@
       </a:defRPr>
     </a:lvl9pPr>
   </p:defaultTextStyle>
+  <p:extLst>
+    <p:ext uri="{EFAFB233-063F-42B5-8137-9DF3F51BA10A}">
+      <p15:sldGuideLst xmlns:p15="http://schemas.microsoft.com/office/powerpoint/2012/main"/>
+    </p:ext>
+  </p:extLst>
 </p:presentation>
 </file>
 
 <file path=ppt/revisionInfo.xml><?xml version="1.0" encoding="utf-8"?>
 <p1510:revInfo xmlns:a="http://schemas.openxmlformats.org/drawingml/2006/main" xmlns:r="http://schemas.openxmlformats.org/officeDocument/2006/relationships" xmlns:p1510="http://schemas.microsoft.com/office/powerpoint/2015/10/main">
   <p1510:revLst>
-    <p1510:client id="{B3DAD75E-AE6B-4E3B-B14E-2322A38A73FC}" v="1" dt="2021-02-10T14:00:15.445"/>
+    <p1510:client id="{B3DAD75E-AE6B-4E3B-B14E-2322A38A73FC}" v="2" dt="2021-02-10T14:34:54.315"/>
   </p1510:revLst>
 </p1510:revInfo>
 </file>
@@ -119,13 +124,13 @@
 <pc:chgInfo xmlns:a="http://schemas.openxmlformats.org/drawingml/2006/main" xmlns:r="http://schemas.openxmlformats.org/officeDocument/2006/relationships" xmlns:ac="http://schemas.microsoft.com/office/drawing/2013/main/command" xmlns:pc="http://schemas.microsoft.com/office/powerpoint/2013/main/command">
   <pc:docChgLst>
     <pc:chgData name="Jennifer VILLERS" userId="65a7a5d3d170944a" providerId="LiveId" clId="{B3DAD75E-AE6B-4E3B-B14E-2322A38A73FC}"/>
-    <pc:docChg chg="modSld">
-      <pc:chgData name="Jennifer VILLERS" userId="65a7a5d3d170944a" providerId="LiveId" clId="{B3DAD75E-AE6B-4E3B-B14E-2322A38A73FC}" dt="2021-02-10T14:04:22.951" v="27" actId="20577"/>
+    <pc:docChg chg="custSel modSld">
+      <pc:chgData name="Jennifer VILLERS" userId="65a7a5d3d170944a" providerId="LiveId" clId="{B3DAD75E-AE6B-4E3B-B14E-2322A38A73FC}" dt="2021-02-10T14:35:08.751" v="34" actId="1076"/>
       <pc:docMkLst>
         <pc:docMk/>
       </pc:docMkLst>
-      <pc:sldChg chg="addSp modSp mod">
-        <pc:chgData name="Jennifer VILLERS" userId="65a7a5d3d170944a" providerId="LiveId" clId="{B3DAD75E-AE6B-4E3B-B14E-2322A38A73FC}" dt="2021-02-10T14:04:22.951" v="27" actId="20577"/>
+      <pc:sldChg chg="addSp delSp modSp mod">
+        <pc:chgData name="Jennifer VILLERS" userId="65a7a5d3d170944a" providerId="LiveId" clId="{B3DAD75E-AE6B-4E3B-B14E-2322A38A73FC}" dt="2021-02-10T14:35:08.751" v="34" actId="1076"/>
         <pc:sldMkLst>
           <pc:docMk/>
           <pc:sldMk cId="1008696322" sldId="256"/>
@@ -138,6 +143,22 @@
             <ac:graphicFrameMk id="4" creationId="{71E66012-E2A9-430F-977B-120A897CED47}"/>
           </ac:graphicFrameMkLst>
         </pc:graphicFrameChg>
+        <pc:picChg chg="add mod">
+          <ac:chgData name="Jennifer VILLERS" userId="65a7a5d3d170944a" providerId="LiveId" clId="{B3DAD75E-AE6B-4E3B-B14E-2322A38A73FC}" dt="2021-02-10T14:35:08.751" v="34" actId="1076"/>
+          <ac:picMkLst>
+            <pc:docMk/>
+            <pc:sldMk cId="1008696322" sldId="256"/>
+            <ac:picMk id="3" creationId="{73353537-100B-4FFC-BAFB-170E0C28C2FB}"/>
+          </ac:picMkLst>
+        </pc:picChg>
+        <pc:picChg chg="del">
+          <ac:chgData name="Jennifer VILLERS" userId="65a7a5d3d170944a" providerId="LiveId" clId="{B3DAD75E-AE6B-4E3B-B14E-2322A38A73FC}" dt="2021-02-10T14:34:43.905" v="28" actId="478"/>
+          <ac:picMkLst>
+            <pc:docMk/>
+            <pc:sldMk cId="1008696322" sldId="256"/>
+            <ac:picMk id="6" creationId="{BC41CE3F-A4E9-4A5E-B29B-2AEEA7A229A5}"/>
+          </ac:picMkLst>
+        </pc:picChg>
         <pc:picChg chg="add mod">
           <ac:chgData name="Jennifer VILLERS" userId="65a7a5d3d170944a" providerId="LiveId" clId="{B3DAD75E-AE6B-4E3B-B14E-2322A38A73FC}" dt="2021-02-10T14:00:31.952" v="10" actId="1037"/>
           <ac:picMkLst>
@@ -4783,10 +4804,10 @@
       </p:graphicFrame>
       <p:pic>
         <p:nvPicPr>
-          <p:cNvPr id="6" name="Picture 5" descr="A screenshot of a game&#10;&#10;Description automatically generated with medium confidence">
-            <a:extLst>
-              <a:ext uri="{FF2B5EF4-FFF2-40B4-BE49-F238E27FC236}">
-                <a16:creationId xmlns:a16="http://schemas.microsoft.com/office/drawing/2014/main" id="{BC41CE3F-A4E9-4A5E-B29B-2AEEA7A229A5}"/>
+          <p:cNvPr id="12" name="Graphic 11">
+            <a:extLst>
+              <a:ext uri="{FF2B5EF4-FFF2-40B4-BE49-F238E27FC236}">
+                <a16:creationId xmlns:a16="http://schemas.microsoft.com/office/drawing/2014/main" id="{D6A82002-5A26-4D77-8191-117C92A9C04F}"/>
               </a:ext>
             </a:extLst>
           </p:cNvPr>
@@ -4798,44 +4819,8 @@
         <p:blipFill>
           <a:blip r:embed="rId2">
             <a:extLst>
-              <a:ext uri="{28A0092B-C50C-407E-A947-70E740481C1C}">
-                <a14:useLocalDpi xmlns:a14="http://schemas.microsoft.com/office/drawing/2010/main" val="0"/>
-              </a:ext>
-            </a:extLst>
-          </a:blip>
-          <a:stretch>
-            <a:fillRect/>
-          </a:stretch>
-        </p:blipFill>
-        <p:spPr>
-          <a:xfrm>
-            <a:off x="455218" y="240061"/>
-            <a:ext cx="3986378" cy="6388978"/>
-          </a:xfrm>
-          <a:prstGeom prst="rect">
-            <a:avLst/>
-          </a:prstGeom>
-        </p:spPr>
-      </p:pic>
-      <p:pic>
-        <p:nvPicPr>
-          <p:cNvPr id="12" name="Graphic 11">
-            <a:extLst>
-              <a:ext uri="{FF2B5EF4-FFF2-40B4-BE49-F238E27FC236}">
-                <a16:creationId xmlns:a16="http://schemas.microsoft.com/office/drawing/2014/main" id="{D6A82002-5A26-4D77-8191-117C92A9C04F}"/>
-              </a:ext>
-            </a:extLst>
-          </p:cNvPr>
-          <p:cNvPicPr>
-            <a:picLocks noChangeAspect="1"/>
-          </p:cNvPicPr>
-          <p:nvPr/>
-        </p:nvPicPr>
-        <p:blipFill>
-          <a:blip r:embed="rId3">
-            <a:extLst>
               <a:ext uri="{96DAC541-7B7A-43D3-8B79-37D633B846F1}">
-                <asvg:svgBlip xmlns:asvg="http://schemas.microsoft.com/office/drawing/2016/SVG/main" r:embed="rId4"/>
+                <asvg:svgBlip xmlns:asvg="http://schemas.microsoft.com/office/drawing/2016/SVG/main" r:embed="rId3"/>
               </a:ext>
             </a:extLst>
           </a:blip>
@@ -4847,6 +4832,42 @@
           <a:xfrm>
             <a:off x="8300023" y="6202180"/>
             <a:ext cx="314325" cy="323850"/>
+          </a:xfrm>
+          <a:prstGeom prst="rect">
+            <a:avLst/>
+          </a:prstGeom>
+        </p:spPr>
+      </p:pic>
+      <p:pic>
+        <p:nvPicPr>
+          <p:cNvPr id="3" name="Picture 2" descr="A picture containing graphical user interface&#10;&#10;Description automatically generated">
+            <a:extLst>
+              <a:ext uri="{FF2B5EF4-FFF2-40B4-BE49-F238E27FC236}">
+                <a16:creationId xmlns:a16="http://schemas.microsoft.com/office/drawing/2014/main" id="{73353537-100B-4FFC-BAFB-170E0C28C2FB}"/>
+              </a:ext>
+            </a:extLst>
+          </p:cNvPr>
+          <p:cNvPicPr>
+            <a:picLocks noChangeAspect="1"/>
+          </p:cNvPicPr>
+          <p:nvPr/>
+        </p:nvPicPr>
+        <p:blipFill>
+          <a:blip r:embed="rId4">
+            <a:extLst>
+              <a:ext uri="{28A0092B-C50C-407E-A947-70E740481C1C}">
+                <a14:useLocalDpi xmlns:a14="http://schemas.microsoft.com/office/drawing/2010/main" val="0"/>
+              </a:ext>
+            </a:extLst>
+          </a:blip>
+          <a:stretch>
+            <a:fillRect/>
+          </a:stretch>
+        </p:blipFill>
+        <p:spPr>
+          <a:xfrm>
+            <a:off x="449704" y="240061"/>
+            <a:ext cx="3961483" cy="6391906"/>
           </a:xfrm>
           <a:prstGeom prst="rect">
             <a:avLst/>

--- a/manuscripts/main/figures/newFig/Figure1/Figure1.pptx
+++ b/manuscripts/main/figures/newFig/Figure1/Figure1.pptx
@@ -115,7 +115,7 @@
 <file path=ppt/revisionInfo.xml><?xml version="1.0" encoding="utf-8"?>
 <p1510:revInfo xmlns:a="http://schemas.openxmlformats.org/drawingml/2006/main" xmlns:r="http://schemas.openxmlformats.org/officeDocument/2006/relationships" xmlns:p1510="http://schemas.microsoft.com/office/powerpoint/2015/10/main">
   <p1510:revLst>
-    <p1510:client id="{B3DAD75E-AE6B-4E3B-B14E-2322A38A73FC}" v="2" dt="2021-02-10T14:34:54.315"/>
+    <p1510:client id="{B3DAD75E-AE6B-4E3B-B14E-2322A38A73FC}" v="3" dt="2021-02-10T14:40:20.994"/>
   </p1510:revLst>
 </p1510:revInfo>
 </file>
@@ -125,12 +125,12 @@
   <pc:docChgLst>
     <pc:chgData name="Jennifer VILLERS" userId="65a7a5d3d170944a" providerId="LiveId" clId="{B3DAD75E-AE6B-4E3B-B14E-2322A38A73FC}"/>
     <pc:docChg chg="custSel modSld">
-      <pc:chgData name="Jennifer VILLERS" userId="65a7a5d3d170944a" providerId="LiveId" clId="{B3DAD75E-AE6B-4E3B-B14E-2322A38A73FC}" dt="2021-02-10T14:35:08.751" v="34" actId="1076"/>
+      <pc:chgData name="Jennifer VILLERS" userId="65a7a5d3d170944a" providerId="LiveId" clId="{B3DAD75E-AE6B-4E3B-B14E-2322A38A73FC}" dt="2021-02-10T14:40:56.025" v="44" actId="1076"/>
       <pc:docMkLst>
         <pc:docMk/>
       </pc:docMkLst>
       <pc:sldChg chg="addSp delSp modSp mod">
-        <pc:chgData name="Jennifer VILLERS" userId="65a7a5d3d170944a" providerId="LiveId" clId="{B3DAD75E-AE6B-4E3B-B14E-2322A38A73FC}" dt="2021-02-10T14:35:08.751" v="34" actId="1076"/>
+        <pc:chgData name="Jennifer VILLERS" userId="65a7a5d3d170944a" providerId="LiveId" clId="{B3DAD75E-AE6B-4E3B-B14E-2322A38A73FC}" dt="2021-02-10T14:40:56.025" v="44" actId="1076"/>
         <pc:sldMkLst>
           <pc:docMk/>
           <pc:sldMk cId="1008696322" sldId="256"/>
@@ -143,12 +143,20 @@
             <ac:graphicFrameMk id="4" creationId="{71E66012-E2A9-430F-977B-120A897CED47}"/>
           </ac:graphicFrameMkLst>
         </pc:graphicFrameChg>
-        <pc:picChg chg="add mod">
-          <ac:chgData name="Jennifer VILLERS" userId="65a7a5d3d170944a" providerId="LiveId" clId="{B3DAD75E-AE6B-4E3B-B14E-2322A38A73FC}" dt="2021-02-10T14:35:08.751" v="34" actId="1076"/>
+        <pc:picChg chg="add del mod">
+          <ac:chgData name="Jennifer VILLERS" userId="65a7a5d3d170944a" providerId="LiveId" clId="{B3DAD75E-AE6B-4E3B-B14E-2322A38A73FC}" dt="2021-02-10T14:40:20.355" v="35" actId="478"/>
           <ac:picMkLst>
             <pc:docMk/>
             <pc:sldMk cId="1008696322" sldId="256"/>
             <ac:picMk id="3" creationId="{73353537-100B-4FFC-BAFB-170E0C28C2FB}"/>
+          </ac:picMkLst>
+        </pc:picChg>
+        <pc:picChg chg="add mod">
+          <ac:chgData name="Jennifer VILLERS" userId="65a7a5d3d170944a" providerId="LiveId" clId="{B3DAD75E-AE6B-4E3B-B14E-2322A38A73FC}" dt="2021-02-10T14:40:56.025" v="44" actId="1076"/>
+          <ac:picMkLst>
+            <pc:docMk/>
+            <pc:sldMk cId="1008696322" sldId="256"/>
+            <ac:picMk id="5" creationId="{F0CBDD36-E60D-4D73-A94F-F926299D39C4}"/>
           </ac:picMkLst>
         </pc:picChg>
         <pc:picChg chg="del">
@@ -4840,10 +4848,10 @@
       </p:pic>
       <p:pic>
         <p:nvPicPr>
-          <p:cNvPr id="3" name="Picture 2" descr="A picture containing graphical user interface&#10;&#10;Description automatically generated">
-            <a:extLst>
-              <a:ext uri="{FF2B5EF4-FFF2-40B4-BE49-F238E27FC236}">
-                <a16:creationId xmlns:a16="http://schemas.microsoft.com/office/drawing/2014/main" id="{73353537-100B-4FFC-BAFB-170E0C28C2FB}"/>
+          <p:cNvPr id="5" name="Picture 4" descr="A screenshot of a video game&#10;&#10;Description automatically generated with medium confidence">
+            <a:extLst>
+              <a:ext uri="{FF2B5EF4-FFF2-40B4-BE49-F238E27FC236}">
+                <a16:creationId xmlns:a16="http://schemas.microsoft.com/office/drawing/2014/main" id="{F0CBDD36-E60D-4D73-A94F-F926299D39C4}"/>
               </a:ext>
             </a:extLst>
           </p:cNvPr>
@@ -4866,8 +4874,8 @@
         </p:blipFill>
         <p:spPr>
           <a:xfrm>
-            <a:off x="449704" y="240061"/>
-            <a:ext cx="3961483" cy="6391906"/>
+            <a:off x="462431" y="234511"/>
+            <a:ext cx="3959668" cy="6388978"/>
           </a:xfrm>
           <a:prstGeom prst="rect">
             <a:avLst/>
